--- a/nlp/Applications.pptx
+++ b/nlp/Applications.pptx
@@ -5,7 +5,7 @@
     <p:sldMasterId id="2147483648" r:id="rId1"/>
   </p:sldMasterIdLst>
   <p:notesMasterIdLst>
-    <p:notesMasterId r:id="rId12"/>
+    <p:notesMasterId r:id="rId15"/>
   </p:notesMasterIdLst>
   <p:sldIdLst>
     <p:sldId id="256" r:id="rId2"/>
@@ -15,9 +15,12 @@
     <p:sldId id="261" r:id="rId6"/>
     <p:sldId id="262" r:id="rId7"/>
     <p:sldId id="263" r:id="rId8"/>
-    <p:sldId id="264" r:id="rId9"/>
-    <p:sldId id="265" r:id="rId10"/>
-    <p:sldId id="258" r:id="rId11"/>
+    <p:sldId id="266" r:id="rId9"/>
+    <p:sldId id="267" r:id="rId10"/>
+    <p:sldId id="268" r:id="rId11"/>
+    <p:sldId id="264" r:id="rId12"/>
+    <p:sldId id="265" r:id="rId13"/>
+    <p:sldId id="258" r:id="rId14"/>
   </p:sldIdLst>
   <p:sldSz cx="12192000" cy="6858000"/>
   <p:notesSz cx="6858000" cy="9144000"/>
@@ -116,6 +119,11 @@
       </a:defRPr>
     </a:lvl9pPr>
   </p:defaultTextStyle>
+  <p:extLst>
+    <p:ext uri="{EFAFB233-063F-42B5-8137-9DF3F51BA10A}">
+      <p15:sldGuideLst xmlns:p15="http://schemas.microsoft.com/office/powerpoint/2012/main"/>
+    </p:ext>
+  </p:extLst>
 </p:presentation>
 </file>
 
@@ -201,7 +209,7 @@
           <a:p>
             <a:fld id="{280F1CF9-0911-40D5-A4AE-567AEBAE0A96}" type="datetimeFigureOut">
               <a:rPr lang="en-US" smtClean="0"/>
-              <a:t>1/10/2018</a:t>
+              <a:t>1/12/2018</a:t>
             </a:fld>
             <a:endParaRPr lang="en-US"/>
           </a:p>
@@ -597,7 +605,11 @@
           <a:bodyPr/>
           <a:lstStyle/>
           <a:p>
-            <a:endParaRPr lang="en-US"/>
+            <a:pPr lvl="0"/>
+            <a:r>
+              <a:rPr lang="en-US" dirty="0"/>
+              <a:t>LM loss case. Current LM is nGram. It is not friendly to super tail queries. And nGram is a statistic model the terms have to be continued appear, and order sensitive.</a:t>
+            </a:r>
           </a:p>
         </p:txBody>
       </p:sp>
@@ -616,9 +628,261 @@
           <a:bodyPr/>
           <a:lstStyle/>
           <a:p>
+            <a:fld id="{6804C91D-5A52-4C79-8558-36D432064E78}" type="slidenum">
+              <a:rPr lang="en-US" smtClean="0"/>
+              <a:t>10</a:t>
+            </a:fld>
+            <a:endParaRPr lang="en-US" dirty="0"/>
+          </a:p>
+        </p:txBody>
+      </p:sp>
+    </p:spTree>
+    <p:extLst>
+      <p:ext uri="{BB962C8B-B14F-4D97-AF65-F5344CB8AC3E}">
+        <p14:creationId xmlns:p14="http://schemas.microsoft.com/office/powerpoint/2010/main" val="3599046210"/>
+      </p:ext>
+    </p:extLst>
+  </p:cSld>
+  <p:clrMapOvr>
+    <a:masterClrMapping/>
+  </p:clrMapOvr>
+</p:notes>
+</file>
+
+<file path=ppt/notesSlides/notesSlide11.xml><?xml version="1.0" encoding="utf-8"?>
+<p:notes xmlns:a="http://schemas.openxmlformats.org/drawingml/2006/main" xmlns:r="http://schemas.openxmlformats.org/officeDocument/2006/relationships" xmlns:p="http://schemas.openxmlformats.org/presentationml/2006/main">
+  <p:cSld>
+    <p:spTree>
+      <p:nvGrpSpPr>
+        <p:cNvPr id="1" name=""/>
+        <p:cNvGrpSpPr/>
+        <p:nvPr/>
+      </p:nvGrpSpPr>
+      <p:grpSpPr>
+        <a:xfrm>
+          <a:off x="0" y="0"/>
+          <a:ext cx="0" cy="0"/>
+          <a:chOff x="0" y="0"/>
+          <a:chExt cx="0" cy="0"/>
+        </a:xfrm>
+      </p:grpSpPr>
+      <p:sp>
+        <p:nvSpPr>
+          <p:cNvPr id="2" name="Slide Image Placeholder 1"/>
+          <p:cNvSpPr>
+            <a:spLocks noGrp="1" noRot="1" noChangeAspect="1"/>
+          </p:cNvSpPr>
+          <p:nvPr>
+            <p:ph type="sldImg"/>
+          </p:nvPr>
+        </p:nvSpPr>
+        <p:spPr/>
+      </p:sp>
+      <p:sp>
+        <p:nvSpPr>
+          <p:cNvPr id="3" name="Notes Placeholder 2"/>
+          <p:cNvSpPr>
+            <a:spLocks noGrp="1"/>
+          </p:cNvSpPr>
+          <p:nvPr>
+            <p:ph type="body" idx="1"/>
+          </p:nvPr>
+        </p:nvSpPr>
+        <p:spPr/>
+        <p:txBody>
+          <a:bodyPr/>
+          <a:lstStyle/>
+          <a:p>
+            <a:endParaRPr lang="en-US"/>
+          </a:p>
+        </p:txBody>
+      </p:sp>
+      <p:sp>
+        <p:nvSpPr>
+          <p:cNvPr id="4" name="Slide Number Placeholder 3"/>
+          <p:cNvSpPr>
+            <a:spLocks noGrp="1"/>
+          </p:cNvSpPr>
+          <p:nvPr>
+            <p:ph type="sldNum" sz="quarter" idx="10"/>
+          </p:nvPr>
+        </p:nvSpPr>
+        <p:spPr/>
+        <p:txBody>
+          <a:bodyPr/>
+          <a:lstStyle/>
+          <a:p>
             <a:fld id="{6E30419B-2487-4801-82A2-AC9DFCE9DEE3}" type="slidenum">
               <a:rPr lang="en-US" smtClean="0"/>
-              <a:t>10</a:t>
+              <a:t>11</a:t>
+            </a:fld>
+            <a:endParaRPr lang="en-US"/>
+          </a:p>
+        </p:txBody>
+      </p:sp>
+    </p:spTree>
+    <p:extLst>
+      <p:ext uri="{BB962C8B-B14F-4D97-AF65-F5344CB8AC3E}">
+        <p14:creationId xmlns:p14="http://schemas.microsoft.com/office/powerpoint/2010/main" val="3202690174"/>
+      </p:ext>
+    </p:extLst>
+  </p:cSld>
+  <p:clrMapOvr>
+    <a:masterClrMapping/>
+  </p:clrMapOvr>
+</p:notes>
+</file>
+
+<file path=ppt/notesSlides/notesSlide12.xml><?xml version="1.0" encoding="utf-8"?>
+<p:notes xmlns:a="http://schemas.openxmlformats.org/drawingml/2006/main" xmlns:r="http://schemas.openxmlformats.org/officeDocument/2006/relationships" xmlns:p="http://schemas.openxmlformats.org/presentationml/2006/main">
+  <p:cSld>
+    <p:spTree>
+      <p:nvGrpSpPr>
+        <p:cNvPr id="1" name=""/>
+        <p:cNvGrpSpPr/>
+        <p:nvPr/>
+      </p:nvGrpSpPr>
+      <p:grpSpPr>
+        <a:xfrm>
+          <a:off x="0" y="0"/>
+          <a:ext cx="0" cy="0"/>
+          <a:chOff x="0" y="0"/>
+          <a:chExt cx="0" cy="0"/>
+        </a:xfrm>
+      </p:grpSpPr>
+      <p:sp>
+        <p:nvSpPr>
+          <p:cNvPr id="2" name="Slide Image Placeholder 1"/>
+          <p:cNvSpPr>
+            <a:spLocks noGrp="1" noRot="1" noChangeAspect="1"/>
+          </p:cNvSpPr>
+          <p:nvPr>
+            <p:ph type="sldImg"/>
+          </p:nvPr>
+        </p:nvSpPr>
+        <p:spPr/>
+      </p:sp>
+      <p:sp>
+        <p:nvSpPr>
+          <p:cNvPr id="3" name="Notes Placeholder 2"/>
+          <p:cNvSpPr>
+            <a:spLocks noGrp="1"/>
+          </p:cNvSpPr>
+          <p:nvPr>
+            <p:ph type="body" idx="1"/>
+          </p:nvPr>
+        </p:nvSpPr>
+        <p:spPr/>
+        <p:txBody>
+          <a:bodyPr/>
+          <a:lstStyle/>
+          <a:p>
+            <a:endParaRPr lang="en-US"/>
+          </a:p>
+        </p:txBody>
+      </p:sp>
+      <p:sp>
+        <p:nvSpPr>
+          <p:cNvPr id="4" name="Slide Number Placeholder 3"/>
+          <p:cNvSpPr>
+            <a:spLocks noGrp="1"/>
+          </p:cNvSpPr>
+          <p:nvPr>
+            <p:ph type="sldNum" sz="quarter" idx="10"/>
+          </p:nvPr>
+        </p:nvSpPr>
+        <p:spPr/>
+        <p:txBody>
+          <a:bodyPr/>
+          <a:lstStyle/>
+          <a:p>
+            <a:fld id="{6E30419B-2487-4801-82A2-AC9DFCE9DEE3}" type="slidenum">
+              <a:rPr lang="en-US" smtClean="0"/>
+              <a:t>12</a:t>
+            </a:fld>
+            <a:endParaRPr lang="en-US"/>
+          </a:p>
+        </p:txBody>
+      </p:sp>
+    </p:spTree>
+    <p:extLst>
+      <p:ext uri="{BB962C8B-B14F-4D97-AF65-F5344CB8AC3E}">
+        <p14:creationId xmlns:p14="http://schemas.microsoft.com/office/powerpoint/2010/main" val="2768792249"/>
+      </p:ext>
+    </p:extLst>
+  </p:cSld>
+  <p:clrMapOvr>
+    <a:masterClrMapping/>
+  </p:clrMapOvr>
+</p:notes>
+</file>
+
+<file path=ppt/notesSlides/notesSlide13.xml><?xml version="1.0" encoding="utf-8"?>
+<p:notes xmlns:a="http://schemas.openxmlformats.org/drawingml/2006/main" xmlns:r="http://schemas.openxmlformats.org/officeDocument/2006/relationships" xmlns:p="http://schemas.openxmlformats.org/presentationml/2006/main">
+  <p:cSld>
+    <p:spTree>
+      <p:nvGrpSpPr>
+        <p:cNvPr id="1" name=""/>
+        <p:cNvGrpSpPr/>
+        <p:nvPr/>
+      </p:nvGrpSpPr>
+      <p:grpSpPr>
+        <a:xfrm>
+          <a:off x="0" y="0"/>
+          <a:ext cx="0" cy="0"/>
+          <a:chOff x="0" y="0"/>
+          <a:chExt cx="0" cy="0"/>
+        </a:xfrm>
+      </p:grpSpPr>
+      <p:sp>
+        <p:nvSpPr>
+          <p:cNvPr id="2" name="Slide Image Placeholder 1"/>
+          <p:cNvSpPr>
+            <a:spLocks noGrp="1" noRot="1" noChangeAspect="1"/>
+          </p:cNvSpPr>
+          <p:nvPr>
+            <p:ph type="sldImg"/>
+          </p:nvPr>
+        </p:nvSpPr>
+        <p:spPr/>
+      </p:sp>
+      <p:sp>
+        <p:nvSpPr>
+          <p:cNvPr id="3" name="Notes Placeholder 2"/>
+          <p:cNvSpPr>
+            <a:spLocks noGrp="1"/>
+          </p:cNvSpPr>
+          <p:nvPr>
+            <p:ph type="body" idx="1"/>
+          </p:nvPr>
+        </p:nvSpPr>
+        <p:spPr/>
+        <p:txBody>
+          <a:bodyPr/>
+          <a:lstStyle/>
+          <a:p>
+            <a:endParaRPr lang="en-US"/>
+          </a:p>
+        </p:txBody>
+      </p:sp>
+      <p:sp>
+        <p:nvSpPr>
+          <p:cNvPr id="4" name="Slide Number Placeholder 3"/>
+          <p:cNvSpPr>
+            <a:spLocks noGrp="1"/>
+          </p:cNvSpPr>
+          <p:nvPr>
+            <p:ph type="sldNum" sz="quarter" idx="10"/>
+          </p:nvPr>
+        </p:nvSpPr>
+        <p:spPr/>
+        <p:txBody>
+          <a:bodyPr/>
+          <a:lstStyle/>
+          <a:p>
+            <a:fld id="{6E30419B-2487-4801-82A2-AC9DFCE9DEE3}" type="slidenum">
+              <a:rPr lang="en-US" smtClean="0"/>
+              <a:t>13</a:t>
             </a:fld>
             <a:endParaRPr lang="en-US"/>
           </a:p>
@@ -1215,7 +1479,7 @@
     </p:spTree>
     <p:extLst>
       <p:ext uri="{BB962C8B-B14F-4D97-AF65-F5344CB8AC3E}">
-        <p14:creationId xmlns:p14="http://schemas.microsoft.com/office/powerpoint/2010/main" val="3202690174"/>
+        <p14:creationId xmlns:p14="http://schemas.microsoft.com/office/powerpoint/2010/main" val="1590716842"/>
       </p:ext>
     </p:extLst>
   </p:cSld>
@@ -1269,7 +1533,49 @@
           <a:bodyPr/>
           <a:lstStyle/>
           <a:p>
-            <a:endParaRPr lang="en-US"/>
+            <a:pPr marL="0" marR="0" lvl="0" indent="0" algn="l" defTabSz="914400" rtl="0" eaLnBrk="1" fontAlgn="auto" latinLnBrk="0" hangingPunct="1">
+              <a:lnSpc>
+                <a:spcPct val="100000"/>
+              </a:lnSpc>
+              <a:spcBef>
+                <a:spcPts val="0"/>
+              </a:spcBef>
+              <a:spcAft>
+                <a:spcPts val="0"/>
+              </a:spcAft>
+              <a:buClrTx/>
+              <a:buSzTx/>
+              <a:buFontTx/>
+              <a:buNone/>
+              <a:tabLst/>
+              <a:defRPr/>
+            </a:pPr>
+            <a:r>
+              <a:rPr lang="en-US" dirty="0"/>
+              <a:t>WPN: </a:t>
+            </a:r>
+            <a:r>
+              <a:rPr lang="en-US" sz="1200" b="0" i="0" u="none" strike="noStrike" kern="1200" dirty="0">
+                <a:solidFill>
+                  <a:schemeClr val="tx1"/>
+                </a:solidFill>
+                <a:effectLst/>
+                <a:latin typeface="+mn-lt"/>
+                <a:ea typeface="+mn-ea"/>
+                <a:cs typeface="+mn-cs"/>
+                <a:hlinkClick r:id="rId3"/>
+              </a:rPr>
+              <a:t>WPN - Wifi Protected Network</a:t>
+            </a:r>
+            <a:endParaRPr lang="en-US" sz="1200" b="0" i="0" kern="1200" dirty="0">
+              <a:solidFill>
+                <a:schemeClr val="tx1"/>
+              </a:solidFill>
+              <a:effectLst/>
+              <a:latin typeface="+mn-lt"/>
+              <a:ea typeface="+mn-ea"/>
+              <a:cs typeface="+mn-cs"/>
+            </a:endParaRPr>
           </a:p>
         </p:txBody>
       </p:sp>
@@ -1288,18 +1594,18 @@
           <a:bodyPr/>
           <a:lstStyle/>
           <a:p>
-            <a:fld id="{6E30419B-2487-4801-82A2-AC9DFCE9DEE3}" type="slidenum">
+            <a:fld id="{FD51AF12-1401-4E01-AC27-B6B6C8D75444}" type="slidenum">
               <a:rPr lang="en-US" smtClean="0"/>
               <a:t>9</a:t>
             </a:fld>
-            <a:endParaRPr lang="en-US"/>
+            <a:endParaRPr lang="en-US" dirty="0"/>
           </a:p>
         </p:txBody>
       </p:sp>
     </p:spTree>
     <p:extLst>
       <p:ext uri="{BB962C8B-B14F-4D97-AF65-F5344CB8AC3E}">
-        <p14:creationId xmlns:p14="http://schemas.microsoft.com/office/powerpoint/2010/main" val="2768792249"/>
+        <p14:creationId xmlns:p14="http://schemas.microsoft.com/office/powerpoint/2010/main" val="431431132"/>
       </p:ext>
     </p:extLst>
   </p:cSld>
@@ -1440,7 +1746,7 @@
           <a:p>
             <a:fld id="{DB065DD0-515C-460E-A5F7-7DBF5381CE92}" type="datetimeFigureOut">
               <a:rPr lang="en-US" smtClean="0"/>
-              <a:t>1/10/2018</a:t>
+              <a:t>1/12/2018</a:t>
             </a:fld>
             <a:endParaRPr lang="en-US"/>
           </a:p>
@@ -1610,7 +1916,7 @@
           <a:p>
             <a:fld id="{DB065DD0-515C-460E-A5F7-7DBF5381CE92}" type="datetimeFigureOut">
               <a:rPr lang="en-US" smtClean="0"/>
-              <a:t>1/10/2018</a:t>
+              <a:t>1/12/2018</a:t>
             </a:fld>
             <a:endParaRPr lang="en-US"/>
           </a:p>
@@ -1790,7 +2096,7 @@
           <a:p>
             <a:fld id="{DB065DD0-515C-460E-A5F7-7DBF5381CE92}" type="datetimeFigureOut">
               <a:rPr lang="en-US" smtClean="0"/>
-              <a:t>1/10/2018</a:t>
+              <a:t>1/12/2018</a:t>
             </a:fld>
             <a:endParaRPr lang="en-US"/>
           </a:p>
@@ -1960,7 +2266,7 @@
           <a:p>
             <a:fld id="{DB065DD0-515C-460E-A5F7-7DBF5381CE92}" type="datetimeFigureOut">
               <a:rPr lang="en-US" smtClean="0"/>
-              <a:t>1/10/2018</a:t>
+              <a:t>1/12/2018</a:t>
             </a:fld>
             <a:endParaRPr lang="en-US"/>
           </a:p>
@@ -2206,7 +2512,7 @@
           <a:p>
             <a:fld id="{DB065DD0-515C-460E-A5F7-7DBF5381CE92}" type="datetimeFigureOut">
               <a:rPr lang="en-US" smtClean="0"/>
-              <a:t>1/10/2018</a:t>
+              <a:t>1/12/2018</a:t>
             </a:fld>
             <a:endParaRPr lang="en-US"/>
           </a:p>
@@ -2438,7 +2744,7 @@
           <a:p>
             <a:fld id="{DB065DD0-515C-460E-A5F7-7DBF5381CE92}" type="datetimeFigureOut">
               <a:rPr lang="en-US" smtClean="0"/>
-              <a:t>1/10/2018</a:t>
+              <a:t>1/12/2018</a:t>
             </a:fld>
             <a:endParaRPr lang="en-US"/>
           </a:p>
@@ -2805,7 +3111,7 @@
           <a:p>
             <a:fld id="{DB065DD0-515C-460E-A5F7-7DBF5381CE92}" type="datetimeFigureOut">
               <a:rPr lang="en-US" smtClean="0"/>
-              <a:t>1/10/2018</a:t>
+              <a:t>1/12/2018</a:t>
             </a:fld>
             <a:endParaRPr lang="en-US"/>
           </a:p>
@@ -2923,7 +3229,7 @@
           <a:p>
             <a:fld id="{DB065DD0-515C-460E-A5F7-7DBF5381CE92}" type="datetimeFigureOut">
               <a:rPr lang="en-US" smtClean="0"/>
-              <a:t>1/10/2018</a:t>
+              <a:t>1/12/2018</a:t>
             </a:fld>
             <a:endParaRPr lang="en-US"/>
           </a:p>
@@ -3018,7 +3324,7 @@
           <a:p>
             <a:fld id="{DB065DD0-515C-460E-A5F7-7DBF5381CE92}" type="datetimeFigureOut">
               <a:rPr lang="en-US" smtClean="0"/>
-              <a:t>1/10/2018</a:t>
+              <a:t>1/12/2018</a:t>
             </a:fld>
             <a:endParaRPr lang="en-US"/>
           </a:p>
@@ -3295,7 +3601,7 @@
           <a:p>
             <a:fld id="{DB065DD0-515C-460E-A5F7-7DBF5381CE92}" type="datetimeFigureOut">
               <a:rPr lang="en-US" smtClean="0"/>
-              <a:t>1/10/2018</a:t>
+              <a:t>1/12/2018</a:t>
             </a:fld>
             <a:endParaRPr lang="en-US"/>
           </a:p>
@@ -3548,7 +3854,7 @@
           <a:p>
             <a:fld id="{DB065DD0-515C-460E-A5F7-7DBF5381CE92}" type="datetimeFigureOut">
               <a:rPr lang="en-US" smtClean="0"/>
-              <a:t>1/10/2018</a:t>
+              <a:t>1/12/2018</a:t>
             </a:fld>
             <a:endParaRPr lang="en-US"/>
           </a:p>
@@ -3761,7 +4067,7 @@
           <a:p>
             <a:fld id="{DB065DD0-515C-460E-A5F7-7DBF5381CE92}" type="datetimeFigureOut">
               <a:rPr lang="en-US" smtClean="0"/>
-              <a:t>1/10/2018</a:t>
+              <a:t>1/12/2018</a:t>
             </a:fld>
             <a:endParaRPr lang="en-US"/>
           </a:p>
@@ -4394,6 +4700,899 @@
 </file>
 
 <file path=ppt/slides/slide10.xml><?xml version="1.0" encoding="utf-8"?>
+<p:sld xmlns:a="http://schemas.openxmlformats.org/drawingml/2006/main" xmlns:r="http://schemas.openxmlformats.org/officeDocument/2006/relationships" xmlns:p="http://schemas.openxmlformats.org/presentationml/2006/main" show="0">
+  <p:cSld>
+    <p:spTree>
+      <p:nvGrpSpPr>
+        <p:cNvPr id="1" name=""/>
+        <p:cNvGrpSpPr/>
+        <p:nvPr/>
+      </p:nvGrpSpPr>
+      <p:grpSpPr>
+        <a:xfrm>
+          <a:off x="0" y="0"/>
+          <a:ext cx="0" cy="0"/>
+          <a:chOff x="0" y="0"/>
+          <a:chExt cx="0" cy="0"/>
+        </a:xfrm>
+      </p:grpSpPr>
+      <p:sp>
+        <p:nvSpPr>
+          <p:cNvPr id="2" name="Title 1">
+            <a:extLst>
+              <a:ext uri="{FF2B5EF4-FFF2-40B4-BE49-F238E27FC236}">
+                <a16:creationId xmlns:a16="http://schemas.microsoft.com/office/drawing/2014/main" id="{20E41AB8-3200-485C-8734-9B2882899C51}"/>
+              </a:ext>
+            </a:extLst>
+          </p:cNvPr>
+          <p:cNvSpPr>
+            <a:spLocks noGrp="1"/>
+          </p:cNvSpPr>
+          <p:nvPr>
+            <p:ph type="title"/>
+          </p:nvPr>
+        </p:nvSpPr>
+        <p:spPr>
+          <a:xfrm>
+            <a:off x="272503" y="365125"/>
+            <a:ext cx="11081297" cy="1325563"/>
+          </a:xfrm>
+        </p:spPr>
+        <p:txBody>
+          <a:bodyPr/>
+          <a:lstStyle/>
+          <a:p>
+            <a:r>
+              <a:rPr lang="en-US" dirty="0"/>
+              <a:t>Solution: Neural Network Language Model</a:t>
+            </a:r>
+          </a:p>
+        </p:txBody>
+      </p:sp>
+      <p:sp>
+        <p:nvSpPr>
+          <p:cNvPr id="3" name="Content Placeholder 2">
+            <a:extLst>
+              <a:ext uri="{FF2B5EF4-FFF2-40B4-BE49-F238E27FC236}">
+                <a16:creationId xmlns:a16="http://schemas.microsoft.com/office/drawing/2014/main" id="{D6D31896-6C30-4C37-BF5D-0C4C1C852C33}"/>
+              </a:ext>
+            </a:extLst>
+          </p:cNvPr>
+          <p:cNvSpPr>
+            <a:spLocks noGrp="1"/>
+          </p:cNvSpPr>
+          <p:nvPr>
+            <p:ph idx="1"/>
+          </p:nvPr>
+        </p:nvSpPr>
+        <p:spPr>
+          <a:xfrm>
+            <a:off x="5914004" y="1859748"/>
+            <a:ext cx="7106742" cy="517557"/>
+          </a:xfrm>
+        </p:spPr>
+        <p:txBody>
+          <a:bodyPr>
+            <a:normAutofit/>
+          </a:bodyPr>
+          <a:lstStyle/>
+          <a:p>
+            <a:pPr marL="0" indent="0">
+              <a:buNone/>
+            </a:pPr>
+            <a:r>
+              <a:rPr lang="en-US" sz="2000" u="sng" dirty="0"/>
+              <a:t>A neural probabilistic language model [Bengio]</a:t>
+            </a:r>
+            <a:endParaRPr lang="en-US" sz="2400" u="sng" dirty="0"/>
+          </a:p>
+        </p:txBody>
+      </p:sp>
+      <p:pic>
+        <p:nvPicPr>
+          <p:cNvPr id="5" name="Picture 4">
+            <a:extLst>
+              <a:ext uri="{FF2B5EF4-FFF2-40B4-BE49-F238E27FC236}">
+                <a16:creationId xmlns:a16="http://schemas.microsoft.com/office/drawing/2014/main" id="{1A2F721F-6619-4F1D-A04C-0433471B99E3}"/>
+              </a:ext>
+            </a:extLst>
+          </p:cNvPr>
+          <p:cNvPicPr>
+            <a:picLocks noChangeAspect="1"/>
+          </p:cNvPicPr>
+          <p:nvPr/>
+        </p:nvPicPr>
+        <p:blipFill>
+          <a:blip r:embed="rId3"/>
+          <a:stretch>
+            <a:fillRect/>
+          </a:stretch>
+        </p:blipFill>
+        <p:spPr>
+          <a:xfrm>
+            <a:off x="5960180" y="2414901"/>
+            <a:ext cx="4242104" cy="3715134"/>
+          </a:xfrm>
+          <a:prstGeom prst="rect">
+            <a:avLst/>
+          </a:prstGeom>
+        </p:spPr>
+      </p:pic>
+      <p:sp>
+        <p:nvSpPr>
+          <p:cNvPr id="6" name="TextBox 5">
+            <a:extLst>
+              <a:ext uri="{FF2B5EF4-FFF2-40B4-BE49-F238E27FC236}">
+                <a16:creationId xmlns:a16="http://schemas.microsoft.com/office/drawing/2014/main" id="{CDE91754-E21D-4C37-B0D7-EDC878CE5EFF}"/>
+              </a:ext>
+            </a:extLst>
+          </p:cNvPr>
+          <p:cNvSpPr txBox="1"/>
+          <p:nvPr/>
+        </p:nvSpPr>
+        <p:spPr>
+          <a:xfrm>
+            <a:off x="10361238" y="2857618"/>
+            <a:ext cx="1410258" cy="369332"/>
+          </a:xfrm>
+          <a:prstGeom prst="rect">
+            <a:avLst/>
+          </a:prstGeom>
+          <a:noFill/>
+        </p:spPr>
+        <p:txBody>
+          <a:bodyPr wrap="none" rtlCol="0">
+            <a:spAutoFit/>
+          </a:bodyPr>
+          <a:lstStyle/>
+          <a:p>
+            <a:r>
+              <a:rPr lang="en-US" u="sng" dirty="0"/>
+              <a:t>Output Layer</a:t>
+            </a:r>
+          </a:p>
+        </p:txBody>
+      </p:sp>
+      <p:sp>
+        <p:nvSpPr>
+          <p:cNvPr id="7" name="TextBox 6">
+            <a:extLst>
+              <a:ext uri="{FF2B5EF4-FFF2-40B4-BE49-F238E27FC236}">
+                <a16:creationId xmlns:a16="http://schemas.microsoft.com/office/drawing/2014/main" id="{53832986-5D46-4425-9526-047766C04A8C}"/>
+              </a:ext>
+            </a:extLst>
+          </p:cNvPr>
+          <p:cNvSpPr txBox="1"/>
+          <p:nvPr/>
+        </p:nvSpPr>
+        <p:spPr>
+          <a:xfrm>
+            <a:off x="10385830" y="3882235"/>
+            <a:ext cx="1416670" cy="369332"/>
+          </a:xfrm>
+          <a:prstGeom prst="rect">
+            <a:avLst/>
+          </a:prstGeom>
+          <a:noFill/>
+        </p:spPr>
+        <p:txBody>
+          <a:bodyPr wrap="none" rtlCol="0">
+            <a:spAutoFit/>
+          </a:bodyPr>
+          <a:lstStyle/>
+          <a:p>
+            <a:r>
+              <a:rPr lang="en-US" u="sng" dirty="0"/>
+              <a:t>Hidden Layer</a:t>
+            </a:r>
+          </a:p>
+        </p:txBody>
+      </p:sp>
+      <p:sp>
+        <p:nvSpPr>
+          <p:cNvPr id="8" name="TextBox 7">
+            <a:extLst>
+              <a:ext uri="{FF2B5EF4-FFF2-40B4-BE49-F238E27FC236}">
+                <a16:creationId xmlns:a16="http://schemas.microsoft.com/office/drawing/2014/main" id="{0A0FACF3-2AA7-44F0-873A-FCA17D6E97FF}"/>
+              </a:ext>
+            </a:extLst>
+          </p:cNvPr>
+          <p:cNvSpPr txBox="1"/>
+          <p:nvPr/>
+        </p:nvSpPr>
+        <p:spPr>
+          <a:xfrm>
+            <a:off x="10361238" y="4853064"/>
+            <a:ext cx="1799788" cy="369332"/>
+          </a:xfrm>
+          <a:prstGeom prst="rect">
+            <a:avLst/>
+          </a:prstGeom>
+          <a:noFill/>
+        </p:spPr>
+        <p:txBody>
+          <a:bodyPr wrap="none" rtlCol="0">
+            <a:spAutoFit/>
+          </a:bodyPr>
+          <a:lstStyle/>
+          <a:p>
+            <a:r>
+              <a:rPr lang="en-US" u="sng" dirty="0"/>
+              <a:t>Embedding Layer</a:t>
+            </a:r>
+          </a:p>
+        </p:txBody>
+      </p:sp>
+      <p:sp>
+        <p:nvSpPr>
+          <p:cNvPr id="9" name="Content Placeholder 2">
+            <a:extLst>
+              <a:ext uri="{FF2B5EF4-FFF2-40B4-BE49-F238E27FC236}">
+                <a16:creationId xmlns:a16="http://schemas.microsoft.com/office/drawing/2014/main" id="{49C559A0-DDCA-4B1B-9F11-ED148A73CACD}"/>
+              </a:ext>
+            </a:extLst>
+          </p:cNvPr>
+          <p:cNvSpPr txBox="1">
+            <a:spLocks/>
+          </p:cNvSpPr>
+          <p:nvPr/>
+        </p:nvSpPr>
+        <p:spPr>
+          <a:xfrm>
+            <a:off x="108221" y="1859747"/>
+            <a:ext cx="5751106" cy="4726323"/>
+          </a:xfrm>
+          <a:prstGeom prst="rect">
+            <a:avLst/>
+          </a:prstGeom>
+        </p:spPr>
+        <p:txBody>
+          <a:bodyPr vert="horz" lIns="91440" tIns="45720" rIns="91440" bIns="45720" rtlCol="0">
+            <a:normAutofit/>
+          </a:bodyPr>
+          <a:lstStyle>
+            <a:lvl1pPr marL="228600" indent="-228600" algn="l" defTabSz="914400" rtl="0" eaLnBrk="1" latinLnBrk="0" hangingPunct="1">
+              <a:lnSpc>
+                <a:spcPct val="90000"/>
+              </a:lnSpc>
+              <a:spcBef>
+                <a:spcPts val="1000"/>
+              </a:spcBef>
+              <a:buFont typeface="Arial" panose="020B0604020202020204" pitchFamily="34" charset="0"/>
+              <a:buChar char="•"/>
+              <a:defRPr sz="2800" kern="1200">
+                <a:solidFill>
+                  <a:schemeClr val="tx1"/>
+                </a:solidFill>
+                <a:latin typeface="+mn-lt"/>
+                <a:ea typeface="+mn-ea"/>
+                <a:cs typeface="+mn-cs"/>
+              </a:defRPr>
+            </a:lvl1pPr>
+            <a:lvl2pPr marL="685800" indent="-228600" algn="l" defTabSz="914400" rtl="0" eaLnBrk="1" latinLnBrk="0" hangingPunct="1">
+              <a:lnSpc>
+                <a:spcPct val="90000"/>
+              </a:lnSpc>
+              <a:spcBef>
+                <a:spcPts val="500"/>
+              </a:spcBef>
+              <a:buFont typeface="Arial" panose="020B0604020202020204" pitchFamily="34" charset="0"/>
+              <a:buChar char="•"/>
+              <a:defRPr sz="2400" kern="1200">
+                <a:solidFill>
+                  <a:schemeClr val="tx1"/>
+                </a:solidFill>
+                <a:latin typeface="+mn-lt"/>
+                <a:ea typeface="+mn-ea"/>
+                <a:cs typeface="+mn-cs"/>
+              </a:defRPr>
+            </a:lvl2pPr>
+            <a:lvl3pPr marL="1143000" indent="-228600" algn="l" defTabSz="914400" rtl="0" eaLnBrk="1" latinLnBrk="0" hangingPunct="1">
+              <a:lnSpc>
+                <a:spcPct val="90000"/>
+              </a:lnSpc>
+              <a:spcBef>
+                <a:spcPts val="500"/>
+              </a:spcBef>
+              <a:buFont typeface="Arial" panose="020B0604020202020204" pitchFamily="34" charset="0"/>
+              <a:buChar char="•"/>
+              <a:defRPr sz="2000" kern="1200">
+                <a:solidFill>
+                  <a:schemeClr val="tx1"/>
+                </a:solidFill>
+                <a:latin typeface="+mn-lt"/>
+                <a:ea typeface="+mn-ea"/>
+                <a:cs typeface="+mn-cs"/>
+              </a:defRPr>
+            </a:lvl3pPr>
+            <a:lvl4pPr marL="1600200" indent="-228600" algn="l" defTabSz="914400" rtl="0" eaLnBrk="1" latinLnBrk="0" hangingPunct="1">
+              <a:lnSpc>
+                <a:spcPct val="90000"/>
+              </a:lnSpc>
+              <a:spcBef>
+                <a:spcPts val="500"/>
+              </a:spcBef>
+              <a:buFont typeface="Arial" panose="020B0604020202020204" pitchFamily="34" charset="0"/>
+              <a:buChar char="•"/>
+              <a:defRPr sz="1800" kern="1200">
+                <a:solidFill>
+                  <a:schemeClr val="tx1"/>
+                </a:solidFill>
+                <a:latin typeface="+mn-lt"/>
+                <a:ea typeface="+mn-ea"/>
+                <a:cs typeface="+mn-cs"/>
+              </a:defRPr>
+            </a:lvl4pPr>
+            <a:lvl5pPr marL="2057400" indent="-228600" algn="l" defTabSz="914400" rtl="0" eaLnBrk="1" latinLnBrk="0" hangingPunct="1">
+              <a:lnSpc>
+                <a:spcPct val="90000"/>
+              </a:lnSpc>
+              <a:spcBef>
+                <a:spcPts val="500"/>
+              </a:spcBef>
+              <a:buFont typeface="Arial" panose="020B0604020202020204" pitchFamily="34" charset="0"/>
+              <a:buChar char="•"/>
+              <a:defRPr sz="1800" kern="1200">
+                <a:solidFill>
+                  <a:schemeClr val="tx1"/>
+                </a:solidFill>
+                <a:latin typeface="+mn-lt"/>
+                <a:ea typeface="+mn-ea"/>
+                <a:cs typeface="+mn-cs"/>
+              </a:defRPr>
+            </a:lvl5pPr>
+            <a:lvl6pPr marL="2514600" indent="-228600" algn="l" defTabSz="914400" rtl="0" eaLnBrk="1" latinLnBrk="0" hangingPunct="1">
+              <a:lnSpc>
+                <a:spcPct val="90000"/>
+              </a:lnSpc>
+              <a:spcBef>
+                <a:spcPts val="500"/>
+              </a:spcBef>
+              <a:buFont typeface="Arial" panose="020B0604020202020204" pitchFamily="34" charset="0"/>
+              <a:buChar char="•"/>
+              <a:defRPr sz="1800" kern="1200">
+                <a:solidFill>
+                  <a:schemeClr val="tx1"/>
+                </a:solidFill>
+                <a:latin typeface="+mn-lt"/>
+                <a:ea typeface="+mn-ea"/>
+                <a:cs typeface="+mn-cs"/>
+              </a:defRPr>
+            </a:lvl6pPr>
+            <a:lvl7pPr marL="2971800" indent="-228600" algn="l" defTabSz="914400" rtl="0" eaLnBrk="1" latinLnBrk="0" hangingPunct="1">
+              <a:lnSpc>
+                <a:spcPct val="90000"/>
+              </a:lnSpc>
+              <a:spcBef>
+                <a:spcPts val="500"/>
+              </a:spcBef>
+              <a:buFont typeface="Arial" panose="020B0604020202020204" pitchFamily="34" charset="0"/>
+              <a:buChar char="•"/>
+              <a:defRPr sz="1800" kern="1200">
+                <a:solidFill>
+                  <a:schemeClr val="tx1"/>
+                </a:solidFill>
+                <a:latin typeface="+mn-lt"/>
+                <a:ea typeface="+mn-ea"/>
+                <a:cs typeface="+mn-cs"/>
+              </a:defRPr>
+            </a:lvl7pPr>
+            <a:lvl8pPr marL="3429000" indent="-228600" algn="l" defTabSz="914400" rtl="0" eaLnBrk="1" latinLnBrk="0" hangingPunct="1">
+              <a:lnSpc>
+                <a:spcPct val="90000"/>
+              </a:lnSpc>
+              <a:spcBef>
+                <a:spcPts val="500"/>
+              </a:spcBef>
+              <a:buFont typeface="Arial" panose="020B0604020202020204" pitchFamily="34" charset="0"/>
+              <a:buChar char="•"/>
+              <a:defRPr sz="1800" kern="1200">
+                <a:solidFill>
+                  <a:schemeClr val="tx1"/>
+                </a:solidFill>
+                <a:latin typeface="+mn-lt"/>
+                <a:ea typeface="+mn-ea"/>
+                <a:cs typeface="+mn-cs"/>
+              </a:defRPr>
+            </a:lvl8pPr>
+            <a:lvl9pPr marL="3886200" indent="-228600" algn="l" defTabSz="914400" rtl="0" eaLnBrk="1" latinLnBrk="0" hangingPunct="1">
+              <a:lnSpc>
+                <a:spcPct val="90000"/>
+              </a:lnSpc>
+              <a:spcBef>
+                <a:spcPts val="500"/>
+              </a:spcBef>
+              <a:buFont typeface="Arial" panose="020B0604020202020204" pitchFamily="34" charset="0"/>
+              <a:buChar char="•"/>
+              <a:defRPr sz="1800" kern="1200">
+                <a:solidFill>
+                  <a:schemeClr val="tx1"/>
+                </a:solidFill>
+                <a:latin typeface="+mn-lt"/>
+                <a:ea typeface="+mn-ea"/>
+                <a:cs typeface="+mn-cs"/>
+              </a:defRPr>
+            </a:lvl9pPr>
+          </a:lstStyle>
+          <a:p>
+            <a:r>
+              <a:rPr lang="en-US" dirty="0"/>
+              <a:t>nGram Limitation</a:t>
+            </a:r>
+          </a:p>
+          <a:p>
+            <a:pPr lvl="1"/>
+            <a:r>
+              <a:rPr lang="en-US" dirty="0"/>
+              <a:t>It is a phrasal statistic model</a:t>
+            </a:r>
+          </a:p>
+          <a:p>
+            <a:pPr lvl="1"/>
+            <a:r>
+              <a:rPr lang="en-US" dirty="0"/>
+              <a:t>The phrasal have to be continued appear, and order sensitive</a:t>
+            </a:r>
+          </a:p>
+          <a:p>
+            <a:endParaRPr lang="en-US" dirty="0"/>
+          </a:p>
+          <a:p>
+            <a:r>
+              <a:rPr lang="en-US" dirty="0"/>
+              <a:t>Solution</a:t>
+            </a:r>
+          </a:p>
+          <a:p>
+            <a:pPr lvl="1"/>
+            <a:r>
+              <a:rPr lang="en-US" dirty="0"/>
+              <a:t>Introduce Neural Network LM</a:t>
+            </a:r>
+          </a:p>
+          <a:p>
+            <a:pPr lvl="1"/>
+            <a:r>
+              <a:rPr lang="en-US" dirty="0"/>
+              <a:t>NN is more powerful in generalization</a:t>
+            </a:r>
+          </a:p>
+          <a:p>
+            <a:pPr lvl="2"/>
+            <a:r>
+              <a:rPr lang="en-US" dirty="0"/>
+              <a:t>Hidden layer considers long context</a:t>
+            </a:r>
+          </a:p>
+          <a:p>
+            <a:pPr lvl="2"/>
+            <a:r>
+              <a:rPr lang="en-US" dirty="0"/>
+              <a:t>Semantic embedding shares knowledge</a:t>
+            </a:r>
+          </a:p>
+          <a:p>
+            <a:endParaRPr lang="en-US" dirty="0"/>
+          </a:p>
+          <a:p>
+            <a:endParaRPr lang="en-US" dirty="0"/>
+          </a:p>
+          <a:p>
+            <a:pPr lvl="1"/>
+            <a:endParaRPr lang="en-US" dirty="0"/>
+          </a:p>
+        </p:txBody>
+      </p:sp>
+    </p:spTree>
+    <p:extLst>
+      <p:ext uri="{BB962C8B-B14F-4D97-AF65-F5344CB8AC3E}">
+        <p14:creationId xmlns:p14="http://schemas.microsoft.com/office/powerpoint/2010/main" val="2788185749"/>
+      </p:ext>
+    </p:extLst>
+  </p:cSld>
+  <p:clrMapOvr>
+    <a:masterClrMapping/>
+  </p:clrMapOvr>
+  <mc:AlternateContent xmlns:mc="http://schemas.openxmlformats.org/markup-compatibility/2006">
+    <mc:Choice xmlns:p14="http://schemas.microsoft.com/office/powerpoint/2010/main" Requires="p14">
+      <p:transition spd="slow" p14:dur="2000"/>
+    </mc:Choice>
+    <mc:Fallback>
+      <p:transition spd="slow"/>
+    </mc:Fallback>
+  </mc:AlternateContent>
+</p:sld>
+</file>
+
+<file path=ppt/slides/slide11.xml><?xml version="1.0" encoding="utf-8"?>
+<p:sld xmlns:a="http://schemas.openxmlformats.org/drawingml/2006/main" xmlns:r="http://schemas.openxmlformats.org/officeDocument/2006/relationships" xmlns:p="http://schemas.openxmlformats.org/presentationml/2006/main">
+  <p:cSld>
+    <p:spTree>
+      <p:nvGrpSpPr>
+        <p:cNvPr id="1" name=""/>
+        <p:cNvGrpSpPr/>
+        <p:nvPr/>
+      </p:nvGrpSpPr>
+      <p:grpSpPr>
+        <a:xfrm>
+          <a:off x="0" y="0"/>
+          <a:ext cx="0" cy="0"/>
+          <a:chOff x="0" y="0"/>
+          <a:chExt cx="0" cy="0"/>
+        </a:xfrm>
+      </p:grpSpPr>
+      <p:sp>
+        <p:nvSpPr>
+          <p:cNvPr id="2" name="Title 1"/>
+          <p:cNvSpPr>
+            <a:spLocks noGrp="1"/>
+          </p:cNvSpPr>
+          <p:nvPr>
+            <p:ph type="title"/>
+          </p:nvPr>
+        </p:nvSpPr>
+        <p:spPr/>
+        <p:txBody>
+          <a:bodyPr/>
+          <a:lstStyle/>
+          <a:p>
+            <a:r>
+              <a:rPr lang="zh-CN" altLang="en-US" dirty="0" smtClean="0"/>
+              <a:t>文档</a:t>
+            </a:r>
+            <a:r>
+              <a:rPr lang="zh-CN" altLang="en-US" dirty="0"/>
+              <a:t>摘要</a:t>
+            </a:r>
+            <a:endParaRPr lang="en-US" dirty="0"/>
+          </a:p>
+        </p:txBody>
+      </p:sp>
+      <p:sp>
+        <p:nvSpPr>
+          <p:cNvPr id="3" name="Content Placeholder 2"/>
+          <p:cNvSpPr>
+            <a:spLocks noGrp="1"/>
+          </p:cNvSpPr>
+          <p:nvPr>
+            <p:ph idx="1"/>
+          </p:nvPr>
+        </p:nvSpPr>
+        <p:spPr/>
+        <p:txBody>
+          <a:bodyPr>
+            <a:normAutofit fontScale="92500"/>
+          </a:bodyPr>
+          <a:lstStyle/>
+          <a:p>
+            <a:r>
+              <a:rPr lang="zh-CN" altLang="en-US" dirty="0" smtClean="0"/>
+              <a:t>创建文本文档的简要描述</a:t>
+            </a:r>
+            <a:endParaRPr lang="en-US" altLang="zh-CN" dirty="0" smtClean="0"/>
+          </a:p>
+          <a:p>
+            <a:endParaRPr lang="en-US" dirty="0"/>
+          </a:p>
+          <a:p>
+            <a:r>
+              <a:rPr lang="zh-CN" altLang="en-US" dirty="0" smtClean="0"/>
+              <a:t>具体场景：</a:t>
+            </a:r>
+            <a:endParaRPr lang="en-US" altLang="zh-CN" dirty="0" smtClean="0"/>
+          </a:p>
+          <a:p>
+            <a:pPr lvl="1"/>
+            <a:r>
+              <a:rPr lang="zh-CN" altLang="en-US" dirty="0" smtClean="0"/>
+              <a:t>为文档创建标题。</a:t>
+            </a:r>
+          </a:p>
+          <a:p>
+            <a:pPr lvl="1"/>
+            <a:r>
+              <a:rPr lang="zh-CN" altLang="en-US" dirty="0" smtClean="0"/>
+              <a:t>创建文档的摘要。</a:t>
+            </a:r>
+            <a:endParaRPr lang="en-US" altLang="zh-CN" dirty="0" smtClean="0"/>
+          </a:p>
+          <a:p>
+            <a:pPr lvl="1"/>
+            <a:endParaRPr lang="en-US" dirty="0" smtClean="0"/>
+          </a:p>
+          <a:p>
+            <a:r>
+              <a:rPr lang="zh-CN" altLang="en-US" dirty="0" smtClean="0"/>
+              <a:t>深度学习加持：</a:t>
+            </a:r>
+            <a:endParaRPr lang="en-US" altLang="zh-CN" dirty="0" smtClean="0"/>
+          </a:p>
+          <a:p>
+            <a:pPr lvl="1"/>
+            <a:r>
+              <a:rPr lang="zh-CN" altLang="en-US" dirty="0" smtClean="0"/>
+              <a:t>新闻文章中的句子总结：</a:t>
+            </a:r>
+            <a:endParaRPr lang="en-US" altLang="zh-CN" dirty="0" smtClean="0"/>
+          </a:p>
+          <a:p>
+            <a:pPr lvl="2"/>
+            <a:r>
+              <a:rPr lang="en-US" altLang="zh-CN" dirty="0" smtClean="0"/>
+              <a:t>A Neural Attention Model for Abstractive Summarization, 2015. (</a:t>
+            </a:r>
+            <a:r>
+              <a:rPr lang="en-US" altLang="zh-CN" dirty="0" smtClean="0">
+                <a:hlinkClick r:id="rId3"/>
+              </a:rPr>
+              <a:t>Link</a:t>
+            </a:r>
+            <a:r>
+              <a:rPr lang="en-US" altLang="zh-CN" dirty="0" smtClean="0"/>
+              <a:t>)</a:t>
+            </a:r>
+          </a:p>
+          <a:p>
+            <a:pPr lvl="2"/>
+            <a:r>
+              <a:rPr lang="en-US" altLang="zh-CN" dirty="0" smtClean="0"/>
+              <a:t>Abstractive Text Summarization Using Sequence-to-Sequence RNNs and Beyond, 2016. (</a:t>
+            </a:r>
+            <a:r>
+              <a:rPr lang="en-US" altLang="zh-CN" dirty="0" smtClean="0">
+                <a:hlinkClick r:id="rId4"/>
+              </a:rPr>
+              <a:t>Link</a:t>
+            </a:r>
+            <a:r>
+              <a:rPr lang="en-US" altLang="zh-CN" dirty="0" smtClean="0"/>
+              <a:t>)</a:t>
+            </a:r>
+          </a:p>
+          <a:p>
+            <a:pPr lvl="2"/>
+            <a:r>
+              <a:rPr lang="en-US" altLang="zh-CN" dirty="0" smtClean="0"/>
+              <a:t>Neural Summarization by Extracting Sentences and Word, 2016. (</a:t>
+            </a:r>
+            <a:r>
+              <a:rPr lang="en-US" altLang="zh-CN" dirty="0" smtClean="0">
+                <a:hlinkClick r:id="rId5"/>
+              </a:rPr>
+              <a:t>Link</a:t>
+            </a:r>
+            <a:r>
+              <a:rPr lang="en-US" altLang="zh-CN" dirty="0" smtClean="0"/>
+              <a:t>)</a:t>
+            </a:r>
+          </a:p>
+          <a:p>
+            <a:pPr lvl="1"/>
+            <a:endParaRPr lang="en-US" dirty="0"/>
+          </a:p>
+          <a:p>
+            <a:pPr lvl="1"/>
+            <a:endParaRPr lang="en-US" dirty="0"/>
+          </a:p>
+        </p:txBody>
+      </p:sp>
+      <p:pic>
+        <p:nvPicPr>
+          <p:cNvPr id="4" name="Picture 3"/>
+          <p:cNvPicPr>
+            <a:picLocks noChangeAspect="1"/>
+          </p:cNvPicPr>
+          <p:nvPr/>
+        </p:nvPicPr>
+        <p:blipFill>
+          <a:blip r:embed="rId6"/>
+          <a:stretch>
+            <a:fillRect/>
+          </a:stretch>
+        </p:blipFill>
+        <p:spPr>
+          <a:xfrm>
+            <a:off x="3803850" y="503026"/>
+            <a:ext cx="4584301" cy="1049760"/>
+          </a:xfrm>
+          <a:prstGeom prst="rect">
+            <a:avLst/>
+          </a:prstGeom>
+        </p:spPr>
+      </p:pic>
+    </p:spTree>
+    <p:extLst>
+      <p:ext uri="{BB962C8B-B14F-4D97-AF65-F5344CB8AC3E}">
+        <p14:creationId xmlns:p14="http://schemas.microsoft.com/office/powerpoint/2010/main" val="4194407696"/>
+      </p:ext>
+    </p:extLst>
+  </p:cSld>
+  <p:clrMapOvr>
+    <a:masterClrMapping/>
+  </p:clrMapOvr>
+  <p:timing>
+    <p:tnLst>
+      <p:par>
+        <p:cTn id="1" dur="indefinite" restart="never" nodeType="tmRoot"/>
+      </p:par>
+    </p:tnLst>
+  </p:timing>
+</p:sld>
+</file>
+
+<file path=ppt/slides/slide12.xml><?xml version="1.0" encoding="utf-8"?>
+<p:sld xmlns:a="http://schemas.openxmlformats.org/drawingml/2006/main" xmlns:r="http://schemas.openxmlformats.org/officeDocument/2006/relationships" xmlns:p="http://schemas.openxmlformats.org/presentationml/2006/main">
+  <p:cSld>
+    <p:spTree>
+      <p:nvGrpSpPr>
+        <p:cNvPr id="1" name=""/>
+        <p:cNvGrpSpPr/>
+        <p:nvPr/>
+      </p:nvGrpSpPr>
+      <p:grpSpPr>
+        <a:xfrm>
+          <a:off x="0" y="0"/>
+          <a:ext cx="0" cy="0"/>
+          <a:chOff x="0" y="0"/>
+          <a:chExt cx="0" cy="0"/>
+        </a:xfrm>
+      </p:grpSpPr>
+      <p:sp>
+        <p:nvSpPr>
+          <p:cNvPr id="2" name="Title 1"/>
+          <p:cNvSpPr>
+            <a:spLocks noGrp="1"/>
+          </p:cNvSpPr>
+          <p:nvPr>
+            <p:ph type="title"/>
+          </p:nvPr>
+        </p:nvSpPr>
+        <p:spPr/>
+        <p:txBody>
+          <a:bodyPr/>
+          <a:lstStyle/>
+          <a:p>
+            <a:r>
+              <a:rPr lang="zh-CN" altLang="en-US" dirty="0" smtClean="0"/>
+              <a:t>智能答疑</a:t>
+            </a:r>
+            <a:endParaRPr lang="en-US" dirty="0"/>
+          </a:p>
+        </p:txBody>
+      </p:sp>
+      <p:sp>
+        <p:nvSpPr>
+          <p:cNvPr id="3" name="Content Placeholder 2"/>
+          <p:cNvSpPr>
+            <a:spLocks noGrp="1"/>
+          </p:cNvSpPr>
+          <p:nvPr>
+            <p:ph idx="1"/>
+          </p:nvPr>
+        </p:nvSpPr>
+        <p:spPr/>
+        <p:txBody>
+          <a:bodyPr/>
+          <a:lstStyle/>
+          <a:p>
+            <a:r>
+              <a:rPr lang="zh-CN" altLang="en-US" dirty="0" smtClean="0"/>
+              <a:t>以问题的形式给到用户查询，文本形式给予回答。</a:t>
+            </a:r>
+            <a:endParaRPr lang="en-US" altLang="zh-CN" dirty="0" smtClean="0"/>
+          </a:p>
+          <a:p>
+            <a:endParaRPr lang="en-US" dirty="0"/>
+          </a:p>
+          <a:p>
+            <a:endParaRPr lang="en-US" dirty="0" smtClean="0"/>
+          </a:p>
+          <a:p>
+            <a:r>
+              <a:rPr lang="zh-CN" altLang="en-US" dirty="0"/>
+              <a:t>深</a:t>
+            </a:r>
+            <a:r>
+              <a:rPr lang="zh-CN" altLang="en-US" dirty="0" smtClean="0"/>
+              <a:t>度学习加持：</a:t>
+            </a:r>
+            <a:endParaRPr lang="en-US" altLang="zh-CN" dirty="0" smtClean="0"/>
+          </a:p>
+          <a:p>
+            <a:pPr lvl="1"/>
+            <a:r>
+              <a:rPr lang="zh-CN" altLang="en-US" dirty="0" smtClean="0"/>
+              <a:t>回答有关新闻文章的问题 </a:t>
+            </a:r>
+            <a:r>
+              <a:rPr lang="en-US" dirty="0" smtClean="0"/>
+              <a:t>(</a:t>
+            </a:r>
+            <a:r>
+              <a:rPr lang="en-US" dirty="0" smtClean="0">
+                <a:hlinkClick r:id="rId3"/>
+              </a:rPr>
+              <a:t>Link</a:t>
+            </a:r>
+            <a:r>
+              <a:rPr lang="en-US" dirty="0" smtClean="0"/>
+              <a:t>)</a:t>
+            </a:r>
+          </a:p>
+          <a:p>
+            <a:pPr lvl="1"/>
+            <a:r>
+              <a:rPr lang="zh-CN" altLang="en-US" dirty="0" smtClean="0"/>
+              <a:t>回答关于</a:t>
+            </a:r>
+            <a:r>
+              <a:rPr lang="en-US" altLang="zh-CN" dirty="0" smtClean="0"/>
+              <a:t>Freebase</a:t>
+            </a:r>
+            <a:r>
+              <a:rPr lang="zh-CN" altLang="en-US" dirty="0" smtClean="0"/>
+              <a:t>文章的常识问题</a:t>
+            </a:r>
+            <a:r>
+              <a:rPr lang="en-US" dirty="0" smtClean="0"/>
+              <a:t> (</a:t>
+            </a:r>
+            <a:r>
+              <a:rPr lang="en-US" dirty="0" smtClean="0">
+                <a:hlinkClick r:id="rId4"/>
+              </a:rPr>
+              <a:t>Link</a:t>
+            </a:r>
+            <a:r>
+              <a:rPr lang="en-US" dirty="0" smtClean="0"/>
+              <a:t>)</a:t>
+            </a:r>
+          </a:p>
+          <a:p>
+            <a:pPr lvl="1"/>
+            <a:r>
+              <a:rPr lang="zh-CN" altLang="en-US" dirty="0" smtClean="0"/>
+              <a:t>回答给出具体文件的事实问题 </a:t>
+            </a:r>
+            <a:r>
+              <a:rPr lang="en-US" dirty="0" smtClean="0"/>
+              <a:t>(</a:t>
+            </a:r>
+            <a:r>
+              <a:rPr lang="en-US" dirty="0" smtClean="0">
+                <a:hlinkClick r:id="rId5"/>
+              </a:rPr>
+              <a:t>Link</a:t>
+            </a:r>
+            <a:r>
+              <a:rPr lang="en-US" dirty="0" smtClean="0"/>
+              <a:t>)</a:t>
+            </a:r>
+            <a:endParaRPr lang="en-US" dirty="0"/>
+          </a:p>
+        </p:txBody>
+      </p:sp>
+    </p:spTree>
+    <p:extLst>
+      <p:ext uri="{BB962C8B-B14F-4D97-AF65-F5344CB8AC3E}">
+        <p14:creationId xmlns:p14="http://schemas.microsoft.com/office/powerpoint/2010/main" val="3474602573"/>
+      </p:ext>
+    </p:extLst>
+  </p:cSld>
+  <p:clrMapOvr>
+    <a:masterClrMapping/>
+  </p:clrMapOvr>
+  <p:timing>
+    <p:tnLst>
+      <p:par>
+        <p:cTn id="1" dur="indefinite" restart="never" nodeType="tmRoot"/>
+      </p:par>
+    </p:tnLst>
+  </p:timing>
+</p:sld>
+</file>
+
+<file path=ppt/slides/slide13.xml><?xml version="1.0" encoding="utf-8"?>
 <p:sld xmlns:a="http://schemas.openxmlformats.org/drawingml/2006/main" xmlns:r="http://schemas.openxmlformats.org/officeDocument/2006/relationships" xmlns:p="http://schemas.openxmlformats.org/presentationml/2006/main">
   <p:cSld>
     <p:spTree>
@@ -4753,11 +5952,7 @@
             </a:r>
             <a:r>
               <a:rPr lang="zh-CN" altLang="en-US" dirty="0" smtClean="0"/>
-              <a:t>能</a:t>
-            </a:r>
-            <a:r>
-              <a:rPr lang="zh-CN" altLang="en-US" dirty="0" smtClean="0"/>
-              <a:t>答疑</a:t>
+              <a:t>能答疑</a:t>
             </a:r>
             <a:endParaRPr lang="en-US" dirty="0"/>
           </a:p>
@@ -4876,11 +6071,7 @@
           <a:p>
             <a:r>
               <a:rPr lang="zh-CN" altLang="en-US" dirty="0" smtClean="0"/>
-              <a:t>具体</a:t>
-            </a:r>
-            <a:r>
-              <a:rPr lang="zh-CN" altLang="en-US" dirty="0" smtClean="0"/>
-              <a:t>场景：</a:t>
+              <a:t>具体场景：</a:t>
             </a:r>
             <a:endParaRPr lang="en-US" altLang="zh-CN" dirty="0" smtClean="0"/>
           </a:p>
@@ -4926,15 +6117,7 @@
           <a:p>
             <a:r>
               <a:rPr lang="zh-CN" altLang="en-US" dirty="0" smtClean="0"/>
-              <a:t>深度学习</a:t>
-            </a:r>
-            <a:r>
-              <a:rPr lang="zh-CN" altLang="en-US" dirty="0" smtClean="0"/>
-              <a:t>加持</a:t>
-            </a:r>
-            <a:r>
-              <a:rPr lang="zh-CN" altLang="en-US" dirty="0" smtClean="0"/>
-              <a:t>：</a:t>
+              <a:t>深度学习加持：</a:t>
             </a:r>
             <a:endParaRPr lang="en-US" altLang="zh-CN" dirty="0" smtClean="0"/>
           </a:p>
@@ -4975,11 +6158,7 @@
             </a:r>
             <a:r>
               <a:rPr lang="en-US" sz="2200" dirty="0" smtClean="0"/>
-              <a:t>.</a:t>
-            </a:r>
-            <a:r>
-              <a:rPr lang="en-US" sz="2200" dirty="0" smtClean="0"/>
-              <a:t> (</a:t>
+              <a:t>. (</a:t>
             </a:r>
             <a:r>
               <a:rPr lang="en-US" sz="2200" dirty="0" smtClean="0">
@@ -5000,11 +6179,7 @@
             </a:r>
             <a:r>
               <a:rPr lang="en-US" sz="2200" dirty="0" smtClean="0"/>
-              <a:t>. </a:t>
-            </a:r>
-            <a:r>
-              <a:rPr lang="en-US" sz="2200" dirty="0" smtClean="0"/>
-              <a:t>(</a:t>
+              <a:t>. (</a:t>
             </a:r>
             <a:r>
               <a:rPr lang="en-US" sz="2200" dirty="0" smtClean="0">
@@ -5134,15 +6309,7 @@
             </a:r>
             <a:r>
               <a:rPr lang="zh-CN" altLang="en-US" dirty="0" smtClean="0"/>
-              <a:t>，预测下一个</a:t>
-            </a:r>
-            <a:r>
-              <a:rPr lang="zh-CN" altLang="en-US" dirty="0" smtClean="0"/>
-              <a:t>词</a:t>
-            </a:r>
-            <a:r>
-              <a:rPr lang="zh-CN" altLang="en-US" dirty="0" smtClean="0"/>
-              <a:t>。</a:t>
+              <a:t>，预测下一个词。</a:t>
             </a:r>
             <a:endParaRPr lang="en-US" altLang="zh-CN" dirty="0" smtClean="0"/>
           </a:p>
@@ -5225,11 +6392,7 @@
             </a:r>
             <a:r>
               <a:rPr lang="en-US" altLang="zh-CN" dirty="0" smtClean="0"/>
-              <a:t>, 2015. </a:t>
-            </a:r>
-            <a:r>
-              <a:rPr lang="en-US" altLang="zh-CN" dirty="0" smtClean="0"/>
-              <a:t>(</a:t>
+              <a:t>, 2015. (</a:t>
             </a:r>
             <a:r>
               <a:rPr lang="en-US" altLang="zh-CN" dirty="0" smtClean="0">
@@ -5395,11 +6558,7 @@
           <a:p>
             <a:r>
               <a:rPr lang="zh-CN" altLang="en-US" dirty="0" smtClean="0"/>
-              <a:t>输入</a:t>
-            </a:r>
-            <a:r>
-              <a:rPr lang="zh-CN" altLang="en-US" dirty="0" smtClean="0"/>
-              <a:t>文本的话语</a:t>
+              <a:t>输入文本的话语</a:t>
             </a:r>
             <a:r>
               <a:rPr lang="en-US" altLang="zh-CN" dirty="0" smtClean="0"/>
@@ -5482,11 +6641,7 @@
             </a:r>
             <a:r>
               <a:rPr lang="en-US" altLang="zh-CN" dirty="0" smtClean="0"/>
-              <a:t>, </a:t>
-            </a:r>
-            <a:r>
-              <a:rPr lang="en-US" altLang="zh-CN" dirty="0" smtClean="0"/>
-              <a:t>2006. (</a:t>
+              <a:t>, 2006. (</a:t>
             </a:r>
             <a:r>
               <a:rPr lang="en-US" altLang="zh-CN" dirty="0" smtClean="0">
@@ -5503,27 +6658,11 @@
             <a:pPr lvl="1"/>
             <a:r>
               <a:rPr lang="zh-CN" altLang="en-US" dirty="0" smtClean="0"/>
-              <a:t>基于深度</a:t>
-            </a:r>
-            <a:r>
-              <a:rPr lang="zh-CN" altLang="en-US" dirty="0" smtClean="0"/>
-              <a:t>循环</a:t>
-            </a:r>
-            <a:r>
-              <a:rPr lang="zh-CN" altLang="en-US" dirty="0" smtClean="0"/>
-              <a:t>神经网络的语音识别</a:t>
+              <a:t>基于深度循环神经网络的语音识别</a:t>
             </a:r>
             <a:r>
               <a:rPr lang="en-US" altLang="zh-CN" dirty="0" smtClean="0"/>
-              <a:t>, </a:t>
-            </a:r>
-            <a:r>
-              <a:rPr lang="en-US" altLang="zh-CN" dirty="0" smtClean="0"/>
-              <a:t>2013</a:t>
-            </a:r>
-            <a:r>
-              <a:rPr lang="en-US" altLang="zh-CN" dirty="0" smtClean="0"/>
-              <a:t>. (</a:t>
+              <a:t>, 2013. (</a:t>
             </a:r>
             <a:r>
               <a:rPr lang="en-US" altLang="zh-CN" dirty="0" smtClean="0">
@@ -5544,11 +6683,7 @@
             </a:r>
             <a:r>
               <a:rPr lang="en-US" altLang="zh-CN" dirty="0" smtClean="0"/>
-              <a:t>, 2014.</a:t>
-            </a:r>
-            <a:r>
-              <a:rPr lang="en-US" altLang="zh-CN" dirty="0" smtClean="0"/>
-              <a:t> (</a:t>
+              <a:t>, 2014. (</a:t>
             </a:r>
             <a:r>
               <a:rPr lang="en-US" altLang="zh-CN" dirty="0" smtClean="0">
@@ -5956,11 +7091,7 @@
           <a:p>
             <a:r>
               <a:rPr lang="zh-CN" altLang="en-US" dirty="0" smtClean="0"/>
-              <a:t>文本或语言</a:t>
-            </a:r>
-            <a:r>
-              <a:rPr lang="zh-CN" altLang="en-US" dirty="0" smtClean="0"/>
-              <a:t>从一种语言到另一种语言的自动翻译，是</a:t>
+              <a:t>文本或语言从一种语言到另一种语言的自动翻译，是</a:t>
             </a:r>
             <a:r>
               <a:rPr lang="en-US" altLang="zh-CN" dirty="0" smtClean="0"/>
@@ -6170,12 +7301,12 @@
           <a:lstStyle/>
           <a:p>
             <a:r>
-              <a:rPr lang="zh-CN" altLang="en-US" dirty="0" smtClean="0"/>
-              <a:t>文档</a:t>
-            </a:r>
-            <a:r>
-              <a:rPr lang="zh-CN" altLang="en-US" dirty="0"/>
-              <a:t>摘要</a:t>
+              <a:rPr lang="en-US" b="1" dirty="0" smtClean="0"/>
+              <a:t>N-gram </a:t>
+            </a:r>
+            <a:r>
+              <a:rPr lang="zh-CN" altLang="en-US" b="1" dirty="0"/>
+              <a:t>模型</a:t>
             </a:r>
             <a:endParaRPr lang="en-US" dirty="0"/>
           </a:p>
@@ -6191,180 +7322,234 @@
             <p:ph idx="1"/>
           </p:nvPr>
         </p:nvSpPr>
-        <p:spPr/>
-        <p:txBody>
-          <a:bodyPr>
-            <a:normAutofit fontScale="92500"/>
-          </a:bodyPr>
-          <a:lstStyle/>
-          <a:p>
-            <a:r>
-              <a:rPr lang="zh-CN" altLang="en-US" dirty="0" smtClean="0"/>
-              <a:t>创建文本文档的简要描述</a:t>
-            </a:r>
-            <a:endParaRPr lang="en-US" altLang="zh-CN" dirty="0" smtClean="0"/>
-          </a:p>
-          <a:p>
-            <a:endParaRPr lang="en-US" dirty="0"/>
-          </a:p>
-          <a:p>
-            <a:r>
-              <a:rPr lang="zh-CN" altLang="en-US" dirty="0" smtClean="0"/>
-              <a:t>具体场景：</a:t>
-            </a:r>
-            <a:endParaRPr lang="en-US" altLang="zh-CN" dirty="0" smtClean="0"/>
-          </a:p>
-          <a:p>
-            <a:pPr lvl="1"/>
-            <a:r>
-              <a:rPr lang="zh-CN" altLang="en-US" dirty="0" smtClean="0"/>
-              <a:t>为文档创建标题。</a:t>
-            </a:r>
-          </a:p>
-          <a:p>
-            <a:pPr lvl="1"/>
-            <a:r>
-              <a:rPr lang="zh-CN" altLang="en-US" dirty="0" smtClean="0"/>
-              <a:t>创建文档的摘要。</a:t>
-            </a:r>
-            <a:endParaRPr lang="en-US" altLang="zh-CN" dirty="0" smtClean="0"/>
-          </a:p>
-          <a:p>
-            <a:pPr lvl="1"/>
-            <a:endParaRPr lang="en-US" dirty="0" smtClean="0"/>
-          </a:p>
-          <a:p>
-            <a:r>
-              <a:rPr lang="zh-CN" altLang="en-US" dirty="0" smtClean="0"/>
-              <a:t>深度学习加持：</a:t>
-            </a:r>
-            <a:endParaRPr lang="en-US" altLang="zh-CN" dirty="0" smtClean="0"/>
-          </a:p>
-          <a:p>
-            <a:pPr lvl="1"/>
-            <a:r>
-              <a:rPr lang="zh-CN" altLang="en-US" dirty="0" smtClean="0"/>
-              <a:t>新闻文章中的句子总结：</a:t>
-            </a:r>
-            <a:endParaRPr lang="en-US" altLang="zh-CN" dirty="0" smtClean="0"/>
-          </a:p>
-          <a:p>
-            <a:pPr lvl="2"/>
-            <a:r>
-              <a:rPr lang="en-US" altLang="zh-CN" dirty="0" smtClean="0"/>
-              <a:t>A Neural Attention Model for Abstractive Summarization, 2015.</a:t>
-            </a:r>
-            <a:r>
-              <a:rPr lang="en-US" altLang="zh-CN" dirty="0" smtClean="0"/>
-              <a:t> (</a:t>
-            </a:r>
-            <a:r>
-              <a:rPr lang="en-US" altLang="zh-CN" dirty="0" smtClean="0">
-                <a:hlinkClick r:id="rId3"/>
-              </a:rPr>
-              <a:t>Link</a:t>
-            </a:r>
-            <a:r>
-              <a:rPr lang="en-US" altLang="zh-CN" dirty="0" smtClean="0"/>
-              <a:t>)</a:t>
-            </a:r>
-            <a:endParaRPr lang="en-US" altLang="zh-CN" dirty="0" smtClean="0"/>
-          </a:p>
-          <a:p>
-            <a:pPr lvl="2"/>
-            <a:r>
-              <a:rPr lang="en-US" altLang="zh-CN" dirty="0" smtClean="0"/>
-              <a:t>Abstractive Text Summarization Using Sequence-to-Sequence RNNs and Beyond, 2016.</a:t>
-            </a:r>
-            <a:r>
-              <a:rPr lang="en-US" altLang="zh-CN" dirty="0" smtClean="0"/>
-              <a:t> (</a:t>
-            </a:r>
-            <a:r>
-              <a:rPr lang="en-US" altLang="zh-CN" dirty="0" smtClean="0">
-                <a:hlinkClick r:id="rId4"/>
-              </a:rPr>
-              <a:t>Link</a:t>
-            </a:r>
-            <a:r>
-              <a:rPr lang="en-US" altLang="zh-CN" dirty="0" smtClean="0"/>
-              <a:t>)</a:t>
-            </a:r>
-            <a:endParaRPr lang="en-US" altLang="zh-CN" dirty="0" smtClean="0"/>
-          </a:p>
-          <a:p>
-            <a:pPr lvl="2"/>
-            <a:r>
-              <a:rPr lang="en-US" altLang="zh-CN" dirty="0" smtClean="0"/>
-              <a:t>Neural Summarization by Extracting Sentences and Word, 2016. (</a:t>
-            </a:r>
-            <a:r>
-              <a:rPr lang="en-US" altLang="zh-CN" dirty="0" smtClean="0">
-                <a:hlinkClick r:id="rId5"/>
-              </a:rPr>
-              <a:t>Link</a:t>
-            </a:r>
-            <a:r>
-              <a:rPr lang="en-US" altLang="zh-CN" dirty="0" smtClean="0"/>
-              <a:t>)</a:t>
-            </a:r>
-          </a:p>
-          <a:p>
-            <a:pPr lvl="1"/>
-            <a:endParaRPr lang="en-US" dirty="0"/>
-          </a:p>
-          <a:p>
-            <a:pPr lvl="1"/>
-            <a:endParaRPr lang="en-US" dirty="0"/>
-          </a:p>
-        </p:txBody>
-      </p:sp>
-      <p:pic>
-        <p:nvPicPr>
-          <p:cNvPr id="4" name="Picture 3"/>
-          <p:cNvPicPr>
-            <a:picLocks noChangeAspect="1"/>
-          </p:cNvPicPr>
-          <p:nvPr/>
-        </p:nvPicPr>
-        <p:blipFill>
-          <a:blip r:embed="rId6"/>
-          <a:stretch>
-            <a:fillRect/>
-          </a:stretch>
-        </p:blipFill>
         <p:spPr>
           <a:xfrm>
-            <a:off x="3803850" y="503026"/>
-            <a:ext cx="4584301" cy="1049760"/>
+            <a:off x="838200" y="1825624"/>
+            <a:ext cx="10515600" cy="4856529"/>
           </a:xfrm>
-          <a:prstGeom prst="rect">
-            <a:avLst/>
-          </a:prstGeom>
         </p:spPr>
-      </p:pic>
+        <p:txBody>
+          <a:bodyPr>
+            <a:normAutofit/>
+          </a:bodyPr>
+          <a:lstStyle/>
+          <a:p>
+            <a:r>
+              <a:rPr lang="zh-CN" altLang="en-US" dirty="0" smtClean="0"/>
+              <a:t>简</a:t>
+            </a:r>
+            <a:r>
+              <a:rPr lang="zh-CN" altLang="en-US" dirty="0"/>
+              <a:t>单粗暴的预测模型，其核心公式是利用</a:t>
+            </a:r>
+            <a:r>
+              <a:rPr lang="en-US" dirty="0"/>
+              <a:t>P(</a:t>
+            </a:r>
+            <a:r>
+              <a:rPr lang="en-US" dirty="0" err="1"/>
+              <a:t>w_i|w</a:t>
+            </a:r>
+            <a:r>
+              <a:rPr lang="en-US" dirty="0"/>
+              <a:t>_{i-1},w_{i-2},...,w_{</a:t>
+            </a:r>
+            <a:r>
+              <a:rPr lang="en-US" dirty="0" err="1"/>
+              <a:t>i</a:t>
+            </a:r>
+            <a:r>
+              <a:rPr lang="en-US" dirty="0"/>
+              <a:t>-n})</a:t>
+            </a:r>
+            <a:r>
+              <a:rPr lang="zh-CN" altLang="en-US" dirty="0"/>
+              <a:t>来估测</a:t>
+            </a:r>
+            <a:r>
+              <a:rPr lang="en-US" dirty="0" err="1"/>
+              <a:t>w_i</a:t>
+            </a:r>
+            <a:r>
+              <a:rPr lang="zh-CN" altLang="en-US" dirty="0"/>
+              <a:t>的出现概率</a:t>
+            </a:r>
+            <a:r>
+              <a:rPr lang="zh-CN" altLang="en-US" dirty="0" smtClean="0"/>
+              <a:t>。</a:t>
+            </a:r>
+            <a:endParaRPr lang="en-US" altLang="zh-CN" dirty="0" smtClean="0"/>
+          </a:p>
+          <a:p>
+            <a:endParaRPr lang="en-US" dirty="0"/>
+          </a:p>
+          <a:p>
+            <a:r>
+              <a:rPr lang="zh-CN" altLang="en-US" dirty="0" smtClean="0"/>
+              <a:t>在输入法场景中：</a:t>
+            </a:r>
+            <a:endParaRPr lang="en-US" altLang="zh-CN" dirty="0" smtClean="0"/>
+          </a:p>
+          <a:p>
+            <a:pPr lvl="1"/>
+            <a:r>
+              <a:rPr lang="zh-CN" altLang="en-US" dirty="0"/>
+              <a:t>训练样本为：“</a:t>
+            </a:r>
+            <a:r>
+              <a:rPr lang="zh-CN" altLang="en-US" dirty="0" smtClean="0"/>
+              <a:t>我内心大概是崩溃的”</a:t>
+            </a:r>
+            <a:endParaRPr lang="en-US" altLang="zh-CN" dirty="0" smtClean="0"/>
+          </a:p>
+          <a:p>
+            <a:pPr lvl="1"/>
+            <a:r>
+              <a:rPr lang="en-US" altLang="zh-CN" dirty="0" smtClean="0"/>
+              <a:t>2-gram</a:t>
+            </a:r>
+            <a:r>
+              <a:rPr lang="zh-CN" altLang="en-US" dirty="0"/>
+              <a:t>模型抽</a:t>
+            </a:r>
+            <a:r>
+              <a:rPr lang="zh-CN" altLang="en-US" dirty="0" smtClean="0"/>
+              <a:t>取为三组：我 内心 大</a:t>
+            </a:r>
+            <a:r>
+              <a:rPr lang="zh-CN" altLang="en-US" dirty="0"/>
+              <a:t>概</a:t>
+            </a:r>
+            <a:r>
+              <a:rPr lang="en-US" altLang="zh-CN" dirty="0" smtClean="0"/>
+              <a:t>/</a:t>
+            </a:r>
+            <a:r>
+              <a:rPr lang="zh-CN" altLang="en-US" dirty="0"/>
+              <a:t>内</a:t>
+            </a:r>
+            <a:r>
+              <a:rPr lang="zh-CN" altLang="en-US" dirty="0" smtClean="0"/>
+              <a:t>心 大概 是</a:t>
+            </a:r>
+            <a:r>
+              <a:rPr lang="en-US" altLang="zh-CN" dirty="0" smtClean="0"/>
+              <a:t>/</a:t>
+            </a:r>
+            <a:r>
+              <a:rPr lang="zh-CN" altLang="en-US" dirty="0"/>
+              <a:t>大</a:t>
+            </a:r>
+            <a:r>
+              <a:rPr lang="zh-CN" altLang="en-US" dirty="0" smtClean="0"/>
+              <a:t>概 是 崩</a:t>
+            </a:r>
+            <a:r>
+              <a:rPr lang="zh-CN" altLang="en-US" dirty="0"/>
+              <a:t>溃的</a:t>
+            </a:r>
+            <a:r>
+              <a:rPr lang="en-US" altLang="zh-CN" dirty="0" smtClean="0"/>
+              <a:t>/</a:t>
+            </a:r>
+          </a:p>
+          <a:p>
+            <a:pPr lvl="1"/>
+            <a:r>
+              <a:rPr lang="zh-CN" altLang="en-US" dirty="0" smtClean="0"/>
+              <a:t>对</a:t>
+            </a:r>
+            <a:r>
+              <a:rPr lang="zh-CN" altLang="en-US" dirty="0"/>
+              <a:t>于一</a:t>
+            </a:r>
+            <a:r>
+              <a:rPr lang="zh-CN" altLang="en-US" dirty="0" smtClean="0"/>
+              <a:t>个</a:t>
+            </a:r>
+            <a:r>
+              <a:rPr lang="en-US" altLang="zh-CN" dirty="0" smtClean="0"/>
+              <a:t>2-gram</a:t>
+            </a:r>
+            <a:r>
+              <a:rPr lang="zh-CN" altLang="en-US" dirty="0"/>
+              <a:t>模型，它的内心大概是这样的</a:t>
+            </a:r>
+            <a:r>
+              <a:rPr lang="zh-CN" altLang="en-US" dirty="0" smtClean="0"/>
+              <a:t>：</a:t>
+            </a:r>
+            <a:endParaRPr lang="en-US" altLang="zh-CN" dirty="0" smtClean="0"/>
+          </a:p>
+          <a:p>
+            <a:pPr lvl="2"/>
+            <a:r>
+              <a:rPr lang="zh-CN" altLang="en-US" dirty="0"/>
+              <a:t>根据语料库，有</a:t>
+            </a:r>
+            <a:r>
+              <a:rPr lang="en-US" altLang="zh-CN" dirty="0"/>
+              <a:t>40%</a:t>
+            </a:r>
+            <a:r>
+              <a:rPr lang="zh-CN" altLang="en-US" dirty="0"/>
+              <a:t>的人在输入了“内心大概”这四个字以后输入的是“是这样的” ，有</a:t>
+            </a:r>
+            <a:r>
+              <a:rPr lang="en-US" altLang="zh-CN" dirty="0"/>
+              <a:t>30%</a:t>
+            </a:r>
+            <a:r>
+              <a:rPr lang="zh-CN" altLang="en-US" dirty="0"/>
+              <a:t>的人则是“内心大概是崩溃的”，有</a:t>
+            </a:r>
+            <a:r>
+              <a:rPr lang="en-US" altLang="zh-CN" dirty="0"/>
+              <a:t>20%</a:t>
+            </a:r>
+            <a:r>
+              <a:rPr lang="zh-CN" altLang="en-US" dirty="0"/>
+              <a:t>的人是“内心大概已经崩溃了”，剩下</a:t>
+            </a:r>
+            <a:r>
+              <a:rPr lang="en-US" altLang="zh-CN" dirty="0"/>
+              <a:t>10%</a:t>
+            </a:r>
+            <a:r>
+              <a:rPr lang="zh-CN" altLang="en-US" dirty="0"/>
+              <a:t>千奇百怪</a:t>
+            </a:r>
+            <a:r>
+              <a:rPr lang="zh-CN" altLang="en-US" dirty="0" smtClean="0"/>
+              <a:t>。</a:t>
+            </a:r>
+            <a:endParaRPr lang="en-US" altLang="zh-CN" dirty="0" smtClean="0"/>
+          </a:p>
+          <a:p>
+            <a:pPr lvl="2"/>
+            <a:r>
+              <a:rPr lang="zh-CN" altLang="en-US" dirty="0"/>
+              <a:t>那么输入法首先会把“是”推荐给我，当我输入是以后，再推荐“这样的”，如果我不幸输入了“已经”，输入法可能就会觉得我的内心已经崩溃了。</a:t>
+            </a:r>
+            <a:endParaRPr lang="en-US" dirty="0"/>
+          </a:p>
+        </p:txBody>
+      </p:sp>
     </p:spTree>
     <p:extLst>
       <p:ext uri="{BB962C8B-B14F-4D97-AF65-F5344CB8AC3E}">
-        <p14:creationId xmlns:p14="http://schemas.microsoft.com/office/powerpoint/2010/main" val="4194407696"/>
+        <p14:creationId xmlns:p14="http://schemas.microsoft.com/office/powerpoint/2010/main" val="3164948649"/>
       </p:ext>
     </p:extLst>
   </p:cSld>
   <p:clrMapOvr>
     <a:masterClrMapping/>
   </p:clrMapOvr>
-  <p:timing>
-    <p:tnLst>
-      <p:par>
-        <p:cTn id="1" dur="indefinite" restart="never" nodeType="tmRoot"/>
-      </p:par>
-    </p:tnLst>
-  </p:timing>
 </p:sld>
 </file>
 
 <file path=ppt/slides/slide9.xml><?xml version="1.0" encoding="utf-8"?>
-<p:sld xmlns:a="http://schemas.openxmlformats.org/drawingml/2006/main" xmlns:r="http://schemas.openxmlformats.org/officeDocument/2006/relationships" xmlns:p="http://schemas.openxmlformats.org/presentationml/2006/main">
+<p:sld xmlns:a="http://schemas.openxmlformats.org/drawingml/2006/main" xmlns:r="http://schemas.openxmlformats.org/officeDocument/2006/relationships" xmlns:p="http://schemas.openxmlformats.org/presentationml/2006/main" show="0">
   <p:cSld>
     <p:spTree>
       <p:nvGrpSpPr>
@@ -6382,7 +7567,13 @@
       </p:grpSpPr>
       <p:sp>
         <p:nvSpPr>
-          <p:cNvPr id="2" name="Title 1"/>
+          <p:cNvPr id="2" name="Title 1">
+            <a:extLst>
+              <a:ext uri="{FF2B5EF4-FFF2-40B4-BE49-F238E27FC236}">
+                <a16:creationId xmlns:a16="http://schemas.microsoft.com/office/drawing/2014/main" id="{7814E977-58DB-4785-A011-8655A8A960C4}"/>
+              </a:ext>
+            </a:extLst>
+          </p:cNvPr>
           <p:cNvSpPr>
             <a:spLocks noGrp="1"/>
           </p:cNvSpPr>
@@ -6390,157 +7581,268 @@
             <p:ph type="title"/>
           </p:nvPr>
         </p:nvSpPr>
-        <p:spPr/>
-        <p:txBody>
-          <a:bodyPr/>
-          <a:lstStyle/>
-          <a:p>
-            <a:r>
-              <a:rPr lang="zh-CN" altLang="en-US" dirty="0" smtClean="0"/>
-              <a:t>智能答疑</a:t>
-            </a:r>
+        <p:spPr>
+          <a:xfrm>
+            <a:off x="556648" y="382620"/>
+            <a:ext cx="10799974" cy="1325563"/>
+          </a:xfrm>
+        </p:spPr>
+        <p:txBody>
+          <a:bodyPr/>
+          <a:lstStyle/>
+          <a:p>
+            <a:r>
+              <a:rPr lang="en-US" dirty="0"/>
+              <a:t>On-Going Work: More Challenging Scenario</a:t>
+            </a:r>
+          </a:p>
+        </p:txBody>
+      </p:sp>
+      <p:sp>
+        <p:nvSpPr>
+          <p:cNvPr id="3" name="Content Placeholder 2">
+            <a:extLst>
+              <a:ext uri="{FF2B5EF4-FFF2-40B4-BE49-F238E27FC236}">
+                <a16:creationId xmlns:a16="http://schemas.microsoft.com/office/drawing/2014/main" id="{BC79DBD0-50C4-4812-BA3B-6B85091C8CFE}"/>
+              </a:ext>
+            </a:extLst>
+          </p:cNvPr>
+          <p:cNvSpPr>
+            <a:spLocks noGrp="1"/>
+          </p:cNvSpPr>
+          <p:nvPr>
+            <p:ph idx="1"/>
+          </p:nvPr>
+        </p:nvSpPr>
+        <p:spPr>
+          <a:xfrm>
+            <a:off x="838201" y="1825625"/>
+            <a:ext cx="5937738" cy="4351338"/>
+          </a:xfrm>
+        </p:spPr>
+        <p:txBody>
+          <a:bodyPr>
+            <a:normAutofit fontScale="92500" lnSpcReduction="10000"/>
+          </a:bodyPr>
+          <a:lstStyle/>
+          <a:p>
+            <a:r>
+              <a:rPr lang="en-US" dirty="0"/>
+              <a:t>Data Sparsity Challenge</a:t>
+            </a:r>
+          </a:p>
+          <a:p>
+            <a:r>
+              <a:rPr lang="en-US" dirty="0"/>
+              <a:t>FP DSAT</a:t>
+            </a:r>
+          </a:p>
+          <a:p>
+            <a:pPr lvl="1"/>
+            <a:r>
+              <a:rPr lang="en-US" sz="2800" dirty="0"/>
+              <a:t>Query: </a:t>
+            </a:r>
+            <a:r>
+              <a:rPr lang="en-US" sz="2400" dirty="0"/>
+              <a:t>{what is </a:t>
+            </a:r>
+            <a:r>
+              <a:rPr lang="en-US" sz="2400" dirty="0">
+                <a:solidFill>
+                  <a:srgbClr val="00B050"/>
+                </a:solidFill>
+              </a:rPr>
+              <a:t>wpn</a:t>
+            </a:r>
+            <a:r>
+              <a:rPr lang="en-US" sz="2400" dirty="0"/>
+              <a:t> on wifi}</a:t>
+            </a:r>
+          </a:p>
+          <a:p>
+            <a:pPr lvl="1"/>
+            <a:r>
+              <a:rPr lang="en-US" sz="2800" dirty="0"/>
+              <a:t>Correction: </a:t>
+            </a:r>
+            <a:r>
+              <a:rPr lang="en-US" sz="2400" dirty="0"/>
+              <a:t>{what is </a:t>
+            </a:r>
+            <a:r>
+              <a:rPr lang="en-US" altLang="zh-CN" sz="2400" dirty="0">
+                <a:solidFill>
+                  <a:srgbClr val="FF0000"/>
+                </a:solidFill>
+              </a:rPr>
+              <a:t>v</a:t>
+            </a:r>
+            <a:r>
+              <a:rPr lang="en-US" sz="2400" dirty="0">
+                <a:solidFill>
+                  <a:srgbClr val="FF0000"/>
+                </a:solidFill>
+              </a:rPr>
+              <a:t>pn </a:t>
+            </a:r>
+            <a:r>
+              <a:rPr lang="en-US" sz="2400" dirty="0"/>
+              <a:t>on wifi}</a:t>
+            </a:r>
+          </a:p>
+          <a:p>
+            <a:r>
+              <a:rPr lang="en-US" dirty="0"/>
+              <a:t>But not repro for {what is wpn wifi}</a:t>
+            </a:r>
+          </a:p>
+          <a:p>
             <a:endParaRPr lang="en-US" dirty="0"/>
           </a:p>
-        </p:txBody>
-      </p:sp>
-      <p:sp>
-        <p:nvSpPr>
-          <p:cNvPr id="3" name="Content Placeholder 2"/>
-          <p:cNvSpPr>
-            <a:spLocks noGrp="1"/>
-          </p:cNvSpPr>
-          <p:nvPr>
-            <p:ph idx="1"/>
-          </p:nvPr>
-        </p:nvSpPr>
-        <p:spPr/>
-        <p:txBody>
-          <a:bodyPr/>
-          <a:lstStyle/>
-          <a:p>
-            <a:r>
-              <a:rPr lang="zh-CN" altLang="en-US" dirty="0" smtClean="0"/>
-              <a:t>以问题的形式给到用户查询，文本形式给予回答。</a:t>
-            </a:r>
-            <a:endParaRPr lang="en-US" altLang="zh-CN" dirty="0" smtClean="0"/>
+          <a:p>
+            <a:r>
+              <a:rPr lang="en-US" dirty="0"/>
+              <a:t>Root Cause</a:t>
+            </a:r>
+          </a:p>
+          <a:p>
+            <a:pPr marL="800100" lvl="1" indent="-342900"/>
+            <a:r>
+              <a:rPr lang="en-US" sz="2800" dirty="0"/>
+              <a:t>nGram has signal for {wpn wifi}, but not {wpn </a:t>
+            </a:r>
+            <a:r>
+              <a:rPr lang="en-US" sz="2800" dirty="0">
+                <a:highlight>
+                  <a:srgbClr val="FFFF00"/>
+                </a:highlight>
+              </a:rPr>
+              <a:t>on</a:t>
+            </a:r>
+            <a:r>
+              <a:rPr lang="en-US" sz="2800" dirty="0"/>
+              <a:t> wifi}</a:t>
+            </a:r>
+          </a:p>
+          <a:p>
+            <a:pPr marL="800100" lvl="1" indent="-342900"/>
+            <a:r>
+              <a:rPr lang="en-US" sz="2800" dirty="0"/>
+              <a:t>nGram fail to generalize {wpn wifi} to {wpn </a:t>
+            </a:r>
+            <a:r>
+              <a:rPr lang="en-US" sz="2800" dirty="0">
+                <a:highlight>
+                  <a:srgbClr val="FFFF00"/>
+                </a:highlight>
+              </a:rPr>
+              <a:t>on</a:t>
+            </a:r>
+            <a:r>
+              <a:rPr lang="en-US" sz="2800" dirty="0"/>
+              <a:t> wifi}</a:t>
+            </a:r>
           </a:p>
           <a:p>
             <a:endParaRPr lang="en-US" dirty="0"/>
           </a:p>
           <a:p>
-            <a:endParaRPr lang="en-US" dirty="0" smtClean="0"/>
-          </a:p>
-          <a:p>
-            <a:r>
-              <a:rPr lang="zh-CN" altLang="en-US" dirty="0"/>
-              <a:t>深</a:t>
-            </a:r>
-            <a:r>
-              <a:rPr lang="zh-CN" altLang="en-US" dirty="0" smtClean="0"/>
-              <a:t>度学习</a:t>
-            </a:r>
-            <a:r>
-              <a:rPr lang="zh-CN" altLang="en-US" dirty="0" smtClean="0"/>
-              <a:t>加持：</a:t>
-            </a:r>
-            <a:endParaRPr lang="en-US" altLang="zh-CN" dirty="0" smtClean="0"/>
-          </a:p>
-          <a:p>
-            <a:pPr lvl="1"/>
-            <a:r>
-              <a:rPr lang="zh-CN" altLang="en-US" dirty="0" smtClean="0"/>
-              <a:t>回答有关新闻文章的问题 </a:t>
-            </a:r>
-            <a:r>
-              <a:rPr lang="en-US" dirty="0" smtClean="0"/>
-              <a:t>(</a:t>
-            </a:r>
-            <a:r>
-              <a:rPr lang="en-US" dirty="0" smtClean="0">
-                <a:hlinkClick r:id="rId3"/>
-              </a:rPr>
-              <a:t>Link</a:t>
-            </a:r>
-            <a:r>
-              <a:rPr lang="en-US" dirty="0" smtClean="0"/>
-              <a:t>)</a:t>
-            </a:r>
-          </a:p>
-          <a:p>
-            <a:pPr lvl="1"/>
-            <a:r>
-              <a:rPr lang="zh-CN" altLang="en-US" dirty="0" smtClean="0"/>
-              <a:t>回答关于</a:t>
-            </a:r>
-            <a:r>
-              <a:rPr lang="en-US" altLang="zh-CN" dirty="0" smtClean="0"/>
-              <a:t>Freebase</a:t>
-            </a:r>
-            <a:r>
-              <a:rPr lang="zh-CN" altLang="en-US" dirty="0" smtClean="0"/>
-              <a:t>文章的常识问题</a:t>
-            </a:r>
-            <a:r>
-              <a:rPr lang="en-US" dirty="0" smtClean="0"/>
-              <a:t> (</a:t>
-            </a:r>
-            <a:r>
-              <a:rPr lang="en-US" dirty="0" smtClean="0">
-                <a:hlinkClick r:id="rId4"/>
-              </a:rPr>
-              <a:t>Link</a:t>
-            </a:r>
-            <a:r>
-              <a:rPr lang="en-US" dirty="0" smtClean="0"/>
-              <a:t>)</a:t>
-            </a:r>
-            <a:endParaRPr lang="en-US" dirty="0" smtClean="0"/>
-          </a:p>
-          <a:p>
-            <a:pPr lvl="1"/>
-            <a:r>
-              <a:rPr lang="zh-CN" altLang="en-US" dirty="0" smtClean="0"/>
-              <a:t>回答</a:t>
-            </a:r>
-            <a:r>
-              <a:rPr lang="zh-CN" altLang="en-US" dirty="0" smtClean="0"/>
-              <a:t>给出具体文件的事实问题 </a:t>
-            </a:r>
-            <a:r>
-              <a:rPr lang="en-US" dirty="0" smtClean="0"/>
-              <a:t>(</a:t>
-            </a:r>
-            <a:r>
-              <a:rPr lang="en-US" dirty="0" smtClean="0">
-                <a:hlinkClick r:id="rId5"/>
-              </a:rPr>
-              <a:t>Link</a:t>
-            </a:r>
-            <a:r>
-              <a:rPr lang="en-US" dirty="0" smtClean="0"/>
-              <a:t>)</a:t>
-            </a:r>
             <a:endParaRPr lang="en-US" dirty="0"/>
+          </a:p>
+        </p:txBody>
+      </p:sp>
+      <p:pic>
+        <p:nvPicPr>
+          <p:cNvPr id="5" name="Picture 4">
+            <a:extLst>
+              <a:ext uri="{FF2B5EF4-FFF2-40B4-BE49-F238E27FC236}">
+                <a16:creationId xmlns:a16="http://schemas.microsoft.com/office/drawing/2014/main" id="{56C80FBB-1603-479D-A44C-6264E353F8CF}"/>
+              </a:ext>
+            </a:extLst>
+          </p:cNvPr>
+          <p:cNvPicPr>
+            <a:picLocks noChangeAspect="1"/>
+          </p:cNvPicPr>
+          <p:nvPr/>
+        </p:nvPicPr>
+        <p:blipFill rotWithShape="1">
+          <a:blip r:embed="rId3"/>
+          <a:srcRect l="6382" t="152" r="14341" b="24356"/>
+          <a:stretch/>
+        </p:blipFill>
+        <p:spPr>
+          <a:xfrm>
+            <a:off x="7461956" y="1557077"/>
+            <a:ext cx="4007556" cy="4737328"/>
+          </a:xfrm>
+          <a:prstGeom prst="rect">
+            <a:avLst/>
+          </a:prstGeom>
+          <a:ln>
+            <a:noFill/>
+          </a:ln>
+          <a:effectLst>
+            <a:outerShdw blurRad="190500" algn="tl" rotWithShape="0">
+              <a:srgbClr val="000000">
+                <a:alpha val="70000"/>
+              </a:srgbClr>
+            </a:outerShdw>
+          </a:effectLst>
+        </p:spPr>
+      </p:pic>
+      <p:sp>
+        <p:nvSpPr>
+          <p:cNvPr id="4" name="Rectangle 3">
+            <a:extLst>
+              <a:ext uri="{FF2B5EF4-FFF2-40B4-BE49-F238E27FC236}">
+                <a16:creationId xmlns:a16="http://schemas.microsoft.com/office/drawing/2014/main" id="{7E0E9B24-18E1-4C22-8979-95BB3F20952F}"/>
+              </a:ext>
+            </a:extLst>
+          </p:cNvPr>
+          <p:cNvSpPr/>
+          <p:nvPr/>
+        </p:nvSpPr>
+        <p:spPr>
+          <a:xfrm>
+            <a:off x="7461956" y="6475380"/>
+            <a:ext cx="2780441" cy="338554"/>
+          </a:xfrm>
+          <a:prstGeom prst="rect">
+            <a:avLst/>
+          </a:prstGeom>
+        </p:spPr>
+        <p:txBody>
+          <a:bodyPr wrap="none">
+            <a:spAutoFit/>
+          </a:bodyPr>
+          <a:lstStyle/>
+          <a:p>
+            <a:r>
+              <a:rPr lang="en-US" sz="1600" dirty="0"/>
+              <a:t>*WPN: Wifi Protected Network</a:t>
+            </a:r>
           </a:p>
         </p:txBody>
       </p:sp>
     </p:spTree>
     <p:extLst>
       <p:ext uri="{BB962C8B-B14F-4D97-AF65-F5344CB8AC3E}">
-        <p14:creationId xmlns:p14="http://schemas.microsoft.com/office/powerpoint/2010/main" val="3474602573"/>
+        <p14:creationId xmlns:p14="http://schemas.microsoft.com/office/powerpoint/2010/main" val="1245474749"/>
       </p:ext>
     </p:extLst>
   </p:cSld>
   <p:clrMapOvr>
     <a:masterClrMapping/>
   </p:clrMapOvr>
-  <p:timing>
-    <p:tnLst>
-      <p:par>
-        <p:cTn id="1" dur="indefinite" restart="never" nodeType="tmRoot"/>
-      </p:par>
-    </p:tnLst>
-  </p:timing>
+  <mc:AlternateContent xmlns:mc="http://schemas.openxmlformats.org/markup-compatibility/2006">
+    <mc:Choice xmlns:p14="http://schemas.microsoft.com/office/powerpoint/2010/main" Requires="p14">
+      <p:transition spd="slow" p14:dur="2000"/>
+    </mc:Choice>
+    <mc:Fallback>
+      <p:transition spd="slow"/>
+    </mc:Fallback>
+  </mc:AlternateContent>
 </p:sld>
 </file>
 

--- a/nlp/Applications.pptx
+++ b/nlp/Applications.pptx
@@ -9838,11 +9838,11 @@
   <p:clrMapOvr>
     <a:masterClrMapping/>
   </p:clrMapOvr>
-  <mc:AlternateContent xmlns:mc="http://schemas.openxmlformats.org/markup-compatibility/2006">
-    <mc:Choice xmlns:p14="http://schemas.microsoft.com/office/powerpoint/2010/main" Requires="p14">
+  <mc:AlternateContent xmlns:mc="http://schemas.openxmlformats.org/markup-compatibility/2006" xmlns:p14="http://schemas.microsoft.com/office/powerpoint/2010/main">
+    <mc:Choice Requires="p14">
       <p:transition spd="slow" p14:dur="2000"/>
     </mc:Choice>
-    <mc:Fallback>
+    <mc:Fallback xmlns="">
       <p:transition spd="slow"/>
     </mc:Fallback>
   </mc:AlternateContent>
